--- a/WireDiagram.pptx
+++ b/WireDiagram.pptx
@@ -113,7 +113,16 @@
       </a:defRPr>
     </a:lvl9pPr>
   </p:defaultTextStyle>
+  <p:extLst>
+    <p:ext uri="{EFAFB233-063F-42B5-8137-9DF3F51BA10A}">
+      <p15:sldGuideLst xmlns:p15="http://schemas.microsoft.com/office/powerpoint/2012/main"/>
+    </p:ext>
+  </p:extLst>
 </p:presentation>
+</file>
+
+<file path=ppt/revisionInfo.xml><?xml version="1.0" encoding="utf-8"?>
+<p1510:revInfo xmlns:a="http://schemas.openxmlformats.org/drawingml/2006/main" xmlns:r="http://schemas.openxmlformats.org/officeDocument/2006/relationships" xmlns:p1510="http://schemas.microsoft.com/office/powerpoint/2015/10/main"/>
 </file>
 
 <file path=ppt/slideLayouts/slideLayout1.xml><?xml version="1.0" encoding="utf-8"?>
@@ -6856,7 +6865,7 @@
         </p:nvSpPr>
         <p:spPr>
           <a:xfrm>
-            <a:off x="2611179" y="1995924"/>
+            <a:off x="2607636" y="3866933"/>
             <a:ext cx="2006009" cy="373245"/>
           </a:xfrm>
           <a:prstGeom prst="rect">
@@ -6885,7 +6894,7 @@
         </p:nvSpPr>
         <p:spPr>
           <a:xfrm>
-            <a:off x="2611179" y="2365256"/>
+            <a:off x="2607636" y="4236265"/>
             <a:ext cx="2006009" cy="373245"/>
           </a:xfrm>
           <a:prstGeom prst="rect">
@@ -6914,7 +6923,7 @@
         </p:nvSpPr>
         <p:spPr>
           <a:xfrm>
-            <a:off x="2611178" y="2734588"/>
+            <a:off x="2607635" y="4605597"/>
             <a:ext cx="2006009" cy="373245"/>
           </a:xfrm>
           <a:prstGeom prst="rect">
@@ -6943,7 +6952,7 @@
         </p:nvSpPr>
         <p:spPr>
           <a:xfrm>
-            <a:off x="2611178" y="3100007"/>
+            <a:off x="2607635" y="4971016"/>
             <a:ext cx="2006009" cy="373245"/>
           </a:xfrm>
           <a:prstGeom prst="rect">
@@ -6972,7 +6981,7 @@
         </p:nvSpPr>
         <p:spPr>
           <a:xfrm>
-            <a:off x="2611178" y="3541812"/>
+            <a:off x="2607635" y="5412821"/>
             <a:ext cx="2006009" cy="373245"/>
           </a:xfrm>
           <a:prstGeom prst="rect">
@@ -7109,9 +7118,9 @@
           <p:nvPr/>
         </p:nvCxnSpPr>
         <p:spPr>
-          <a:xfrm flipH="1" flipV="1">
-            <a:off x="1663013" y="2134424"/>
-            <a:ext cx="948166" cy="48123"/>
+          <a:xfrm flipH="1">
+            <a:off x="1822595" y="4053556"/>
+            <a:ext cx="785041" cy="69790"/>
           </a:xfrm>
           <a:prstGeom prst="straightConnector1">
             <a:avLst/>
@@ -7146,9 +7155,9 @@
           <p:nvPr/>
         </p:nvCxnSpPr>
         <p:spPr>
-          <a:xfrm flipH="1" flipV="1">
-            <a:off x="1618710" y="2482988"/>
-            <a:ext cx="992469" cy="68891"/>
+          <a:xfrm flipH="1">
+            <a:off x="1778292" y="4422888"/>
+            <a:ext cx="829344" cy="49022"/>
           </a:xfrm>
           <a:prstGeom prst="straightConnector1">
             <a:avLst/>
@@ -7183,9 +7192,9 @@
           <p:nvPr/>
         </p:nvCxnSpPr>
         <p:spPr>
-          <a:xfrm flipH="1" flipV="1">
-            <a:off x="1475168" y="2849310"/>
-            <a:ext cx="1136010" cy="71901"/>
+          <a:xfrm flipH="1">
+            <a:off x="1634750" y="4792220"/>
+            <a:ext cx="972885" cy="46012"/>
           </a:xfrm>
           <a:prstGeom prst="straightConnector1">
             <a:avLst/>
@@ -7220,9 +7229,9 @@
           <p:nvPr/>
         </p:nvCxnSpPr>
         <p:spPr>
-          <a:xfrm flipH="1" flipV="1">
-            <a:off x="1475168" y="3252824"/>
-            <a:ext cx="1136010" cy="33806"/>
+          <a:xfrm flipH="1">
+            <a:off x="1634750" y="5157639"/>
+            <a:ext cx="972885" cy="84107"/>
           </a:xfrm>
           <a:prstGeom prst="straightConnector1">
             <a:avLst/>
@@ -7257,9 +7266,9 @@
           <p:nvPr/>
         </p:nvCxnSpPr>
         <p:spPr>
-          <a:xfrm flipH="1" flipV="1">
-            <a:off x="1634658" y="3728434"/>
-            <a:ext cx="976520" cy="1"/>
+          <a:xfrm flipH="1">
+            <a:off x="1794240" y="5599444"/>
+            <a:ext cx="813395" cy="117912"/>
           </a:xfrm>
           <a:prstGeom prst="straightConnector1">
             <a:avLst/>
@@ -7291,7 +7300,7 @@
         </p:nvSpPr>
         <p:spPr>
           <a:xfrm>
-            <a:off x="571402" y="3589934"/>
+            <a:off x="730984" y="5578856"/>
             <a:ext cx="1063256" cy="276999"/>
           </a:xfrm>
           <a:prstGeom prst="rect">
@@ -7320,7 +7329,7 @@
         </p:nvSpPr>
         <p:spPr>
           <a:xfrm>
-            <a:off x="555454" y="2344488"/>
+            <a:off x="715036" y="4333410"/>
             <a:ext cx="1063256" cy="276999"/>
           </a:xfrm>
           <a:prstGeom prst="rect">
@@ -7349,7 +7358,7 @@
         </p:nvSpPr>
         <p:spPr>
           <a:xfrm>
-            <a:off x="411912" y="2710810"/>
+            <a:off x="571494" y="4699732"/>
             <a:ext cx="1063256" cy="276999"/>
           </a:xfrm>
           <a:prstGeom prst="rect">
@@ -7378,7 +7387,7 @@
         </p:nvSpPr>
         <p:spPr>
           <a:xfrm>
-            <a:off x="411912" y="3114324"/>
+            <a:off x="571494" y="5103246"/>
             <a:ext cx="1063256" cy="276999"/>
           </a:xfrm>
           <a:prstGeom prst="rect">
@@ -7407,7 +7416,7 @@
         </p:nvSpPr>
         <p:spPr>
           <a:xfrm>
-            <a:off x="599757" y="1995924"/>
+            <a:off x="759339" y="3984846"/>
             <a:ext cx="1063256" cy="276999"/>
           </a:xfrm>
           <a:prstGeom prst="rect">
@@ -7687,6 +7696,196 @@
           </a:graphicData>
         </a:graphic>
       </p:graphicFrame>
+      <p:sp>
+        <p:nvSpPr>
+          <p:cNvPr id="36" name="TextBox 35"/>
+          <p:cNvSpPr txBox="1"/>
+          <p:nvPr/>
+        </p:nvSpPr>
+        <p:spPr>
+          <a:xfrm>
+            <a:off x="2785730" y="1602985"/>
+            <a:ext cx="1987403" cy="369332"/>
+          </a:xfrm>
+          <a:prstGeom prst="rect">
+            <a:avLst/>
+          </a:prstGeom>
+          <a:solidFill>
+            <a:schemeClr val="bg1"/>
+          </a:solidFill>
+          <a:ln>
+            <a:solidFill>
+              <a:schemeClr val="tx1"/>
+            </a:solidFill>
+          </a:ln>
+        </p:spPr>
+        <p:txBody>
+          <a:bodyPr wrap="square" rtlCol="0">
+            <a:spAutoFit/>
+          </a:bodyPr>
+          <a:lstStyle/>
+          <a:p>
+            <a:r>
+              <a:rPr lang="en-US" dirty="0"/>
+              <a:t>Text box</a:t>
+            </a:r>
+          </a:p>
+        </p:txBody>
+      </p:sp>
+      <p:sp>
+        <p:nvSpPr>
+          <p:cNvPr id="37" name="TextBox 36"/>
+          <p:cNvSpPr txBox="1"/>
+          <p:nvPr/>
+        </p:nvSpPr>
+        <p:spPr>
+          <a:xfrm>
+            <a:off x="4890977" y="1602985"/>
+            <a:ext cx="1392865" cy="369332"/>
+          </a:xfrm>
+          <a:prstGeom prst="rect">
+            <a:avLst/>
+          </a:prstGeom>
+          <a:solidFill>
+            <a:schemeClr val="bg2">
+              <a:lumMod val="75000"/>
+            </a:schemeClr>
+          </a:solidFill>
+          <a:ln>
+            <a:solidFill>
+              <a:schemeClr val="tx1"/>
+            </a:solidFill>
+          </a:ln>
+        </p:spPr>
+        <p:txBody>
+          <a:bodyPr wrap="square" rtlCol="0">
+            <a:spAutoFit/>
+          </a:bodyPr>
+          <a:lstStyle/>
+          <a:p>
+            <a:r>
+              <a:rPr lang="en-US" dirty="0"/>
+              <a:t>Search filter</a:t>
+            </a:r>
+          </a:p>
+        </p:txBody>
+      </p:sp>
+      <p:sp>
+        <p:nvSpPr>
+          <p:cNvPr id="38" name="TextBox 37"/>
+          <p:cNvSpPr txBox="1"/>
+          <p:nvPr/>
+        </p:nvSpPr>
+        <p:spPr>
+          <a:xfrm>
+            <a:off x="3099387" y="2497342"/>
+            <a:ext cx="1558558" cy="369332"/>
+          </a:xfrm>
+          <a:prstGeom prst="rect">
+            <a:avLst/>
+          </a:prstGeom>
+          <a:noFill/>
+        </p:spPr>
+        <p:txBody>
+          <a:bodyPr wrap="square" rtlCol="0">
+            <a:spAutoFit/>
+          </a:bodyPr>
+          <a:lstStyle/>
+          <a:p>
+            <a:r>
+              <a:rPr lang="en-US" u="sng" dirty="0"/>
+              <a:t>Category 1</a:t>
+            </a:r>
+          </a:p>
+        </p:txBody>
+      </p:sp>
+      <p:sp>
+        <p:nvSpPr>
+          <p:cNvPr id="39" name="TextBox 38"/>
+          <p:cNvSpPr txBox="1"/>
+          <p:nvPr/>
+        </p:nvSpPr>
+        <p:spPr>
+          <a:xfrm>
+            <a:off x="3086846" y="2777741"/>
+            <a:ext cx="1558558" cy="369332"/>
+          </a:xfrm>
+          <a:prstGeom prst="rect">
+            <a:avLst/>
+          </a:prstGeom>
+          <a:noFill/>
+        </p:spPr>
+        <p:txBody>
+          <a:bodyPr wrap="square" rtlCol="0">
+            <a:spAutoFit/>
+          </a:bodyPr>
+          <a:lstStyle/>
+          <a:p>
+            <a:r>
+              <a:rPr lang="en-US" u="sng" dirty="0"/>
+              <a:t>Category 2</a:t>
+            </a:r>
+          </a:p>
+        </p:txBody>
+      </p:sp>
+      <p:sp>
+        <p:nvSpPr>
+          <p:cNvPr id="40" name="TextBox 39"/>
+          <p:cNvSpPr txBox="1"/>
+          <p:nvPr/>
+        </p:nvSpPr>
+        <p:spPr>
+          <a:xfrm>
+            <a:off x="3086014" y="3067949"/>
+            <a:ext cx="1558558" cy="369332"/>
+          </a:xfrm>
+          <a:prstGeom prst="rect">
+            <a:avLst/>
+          </a:prstGeom>
+          <a:noFill/>
+        </p:spPr>
+        <p:txBody>
+          <a:bodyPr wrap="square" rtlCol="0">
+            <a:spAutoFit/>
+          </a:bodyPr>
+          <a:lstStyle/>
+          <a:p>
+            <a:r>
+              <a:rPr lang="en-US" u="sng" dirty="0"/>
+              <a:t>Category 3</a:t>
+            </a:r>
+          </a:p>
+        </p:txBody>
+      </p:sp>
+      <p:sp>
+        <p:nvSpPr>
+          <p:cNvPr id="41" name="TextBox 40"/>
+          <p:cNvSpPr txBox="1"/>
+          <p:nvPr/>
+        </p:nvSpPr>
+        <p:spPr>
+          <a:xfrm>
+            <a:off x="2670566" y="2165362"/>
+            <a:ext cx="1558558" cy="369332"/>
+          </a:xfrm>
+          <a:prstGeom prst="rect">
+            <a:avLst/>
+          </a:prstGeom>
+          <a:noFill/>
+        </p:spPr>
+        <p:txBody>
+          <a:bodyPr wrap="square" rtlCol="0">
+            <a:spAutoFit/>
+          </a:bodyPr>
+          <a:lstStyle/>
+          <a:p>
+            <a:r>
+              <a:rPr lang="en-US" dirty="0"/>
+              <a:t>Category Filter</a:t>
+            </a:r>
+          </a:p>
+        </p:txBody>
+      </p:sp>
     </p:spTree>
     <p:extLst>
       <p:ext uri="{BB962C8B-B14F-4D97-AF65-F5344CB8AC3E}">
@@ -7725,8 +7924,8 @@
         </p:nvSpPr>
         <p:spPr>
           <a:xfrm>
-            <a:off x="946298" y="1318437"/>
-            <a:ext cx="6103088" cy="5050465"/>
+            <a:off x="946298" y="701749"/>
+            <a:ext cx="7849484" cy="5667153"/>
           </a:xfrm>
           <a:prstGeom prst="rect">
             <a:avLst/>
@@ -7765,7 +7964,7 @@
         </p:nvSpPr>
         <p:spPr>
           <a:xfrm>
-            <a:off x="1435396" y="1580339"/>
+            <a:off x="3952185" y="825758"/>
             <a:ext cx="2147776" cy="369332"/>
           </a:xfrm>
           <a:prstGeom prst="rect">
@@ -7795,13 +7994,13 @@
           <p:nvPr>
             <p:extLst>
               <p:ext uri="{D42A27DB-BD31-4B8C-83A1-F6EECF244321}">
-                <p14:modId xmlns:p14="http://schemas.microsoft.com/office/powerpoint/2010/main" val="1800906970"/>
+                <p14:modId xmlns:p14="http://schemas.microsoft.com/office/powerpoint/2010/main" val="25328543"/>
               </p:ext>
             </p:extLst>
           </p:nvPr>
         </p:nvGraphicFramePr>
         <p:xfrm>
-          <a:off x="1031358" y="2320959"/>
+          <a:off x="2779082" y="2397631"/>
           <a:ext cx="5092995" cy="1169289"/>
         </p:xfrm>
         <a:graphic>
@@ -8035,7 +8234,7 @@
         </p:nvSpPr>
         <p:spPr>
           <a:xfrm>
-            <a:off x="6267893" y="2762573"/>
+            <a:off x="8022265" y="2751714"/>
             <a:ext cx="563525" cy="307777"/>
           </a:xfrm>
           <a:prstGeom prst="rect">
@@ -8073,7 +8272,7 @@
         </p:nvSpPr>
         <p:spPr>
           <a:xfrm>
-            <a:off x="6267894" y="3172394"/>
+            <a:off x="8022264" y="3161991"/>
             <a:ext cx="563525" cy="307777"/>
           </a:xfrm>
           <a:prstGeom prst="rect">
@@ -8115,8 +8314,8 @@
         </p:nvCxnSpPr>
         <p:spPr>
           <a:xfrm>
-            <a:off x="6831418" y="2916462"/>
-            <a:ext cx="3928731" cy="192434"/>
+            <a:off x="8585790" y="2905603"/>
+            <a:ext cx="2174359" cy="203293"/>
           </a:xfrm>
           <a:prstGeom prst="straightConnector1">
             <a:avLst/>
@@ -8152,8 +8351,8 @@
         </p:nvCxnSpPr>
         <p:spPr>
           <a:xfrm flipV="1">
-            <a:off x="6831419" y="3108896"/>
-            <a:ext cx="3928730" cy="217387"/>
+            <a:off x="8585789" y="3108896"/>
+            <a:ext cx="2174360" cy="206984"/>
           </a:xfrm>
           <a:prstGeom prst="straightConnector1">
             <a:avLst/>
@@ -8188,7 +8387,7 @@
         </p:nvCxnSpPr>
         <p:spPr>
           <a:xfrm flipV="1">
-            <a:off x="2222205" y="3983875"/>
+            <a:off x="4008475" y="3983875"/>
             <a:ext cx="6573578" cy="46416"/>
           </a:xfrm>
           <a:prstGeom prst="straightConnector1">
@@ -8250,7 +8449,7 @@
         </p:nvSpPr>
         <p:spPr>
           <a:xfrm>
-            <a:off x="8795783" y="3660709"/>
+            <a:off x="10582053" y="3660709"/>
             <a:ext cx="1063256" cy="646331"/>
           </a:xfrm>
           <a:prstGeom prst="rect">
@@ -8279,7 +8478,7 @@
         </p:nvSpPr>
         <p:spPr>
           <a:xfrm>
-            <a:off x="1892595" y="1892687"/>
+            <a:off x="4462547" y="1194965"/>
             <a:ext cx="1637414" cy="276999"/>
           </a:xfrm>
           <a:prstGeom prst="rect">
@@ -8296,6 +8495,196 @@
             <a:r>
               <a:rPr lang="en-US" sz="1200" dirty="0"/>
               <a:t>Hello [user]</a:t>
+            </a:r>
+          </a:p>
+        </p:txBody>
+      </p:sp>
+      <p:sp>
+        <p:nvSpPr>
+          <p:cNvPr id="22" name="TextBox 21"/>
+          <p:cNvSpPr txBox="1"/>
+          <p:nvPr/>
+        </p:nvSpPr>
+        <p:spPr>
+          <a:xfrm>
+            <a:off x="1150506" y="1841833"/>
+            <a:ext cx="1987403" cy="369332"/>
+          </a:xfrm>
+          <a:prstGeom prst="rect">
+            <a:avLst/>
+          </a:prstGeom>
+          <a:solidFill>
+            <a:schemeClr val="bg1"/>
+          </a:solidFill>
+          <a:ln>
+            <a:solidFill>
+              <a:schemeClr val="tx1"/>
+            </a:solidFill>
+          </a:ln>
+        </p:spPr>
+        <p:txBody>
+          <a:bodyPr wrap="square" rtlCol="0">
+            <a:spAutoFit/>
+          </a:bodyPr>
+          <a:lstStyle/>
+          <a:p>
+            <a:r>
+              <a:rPr lang="en-US" dirty="0"/>
+              <a:t>Text box</a:t>
+            </a:r>
+          </a:p>
+        </p:txBody>
+      </p:sp>
+      <p:sp>
+        <p:nvSpPr>
+          <p:cNvPr id="23" name="TextBox 22"/>
+          <p:cNvSpPr txBox="1"/>
+          <p:nvPr/>
+        </p:nvSpPr>
+        <p:spPr>
+          <a:xfrm>
+            <a:off x="3255753" y="1841833"/>
+            <a:ext cx="1392865" cy="369332"/>
+          </a:xfrm>
+          <a:prstGeom prst="rect">
+            <a:avLst/>
+          </a:prstGeom>
+          <a:solidFill>
+            <a:schemeClr val="bg2">
+              <a:lumMod val="75000"/>
+            </a:schemeClr>
+          </a:solidFill>
+          <a:ln>
+            <a:solidFill>
+              <a:schemeClr val="tx1"/>
+            </a:solidFill>
+          </a:ln>
+        </p:spPr>
+        <p:txBody>
+          <a:bodyPr wrap="square" rtlCol="0">
+            <a:spAutoFit/>
+          </a:bodyPr>
+          <a:lstStyle/>
+          <a:p>
+            <a:r>
+              <a:rPr lang="en-US" dirty="0"/>
+              <a:t>Search filter</a:t>
+            </a:r>
+          </a:p>
+        </p:txBody>
+      </p:sp>
+      <p:sp>
+        <p:nvSpPr>
+          <p:cNvPr id="24" name="TextBox 23"/>
+          <p:cNvSpPr txBox="1"/>
+          <p:nvPr/>
+        </p:nvSpPr>
+        <p:spPr>
+          <a:xfrm>
+            <a:off x="1464163" y="2736190"/>
+            <a:ext cx="1558558" cy="369332"/>
+          </a:xfrm>
+          <a:prstGeom prst="rect">
+            <a:avLst/>
+          </a:prstGeom>
+          <a:noFill/>
+        </p:spPr>
+        <p:txBody>
+          <a:bodyPr wrap="square" rtlCol="0">
+            <a:spAutoFit/>
+          </a:bodyPr>
+          <a:lstStyle/>
+          <a:p>
+            <a:r>
+              <a:rPr lang="en-US" u="sng" dirty="0"/>
+              <a:t>Category 1</a:t>
+            </a:r>
+          </a:p>
+        </p:txBody>
+      </p:sp>
+      <p:sp>
+        <p:nvSpPr>
+          <p:cNvPr id="25" name="TextBox 24"/>
+          <p:cNvSpPr txBox="1"/>
+          <p:nvPr/>
+        </p:nvSpPr>
+        <p:spPr>
+          <a:xfrm>
+            <a:off x="1451622" y="3016589"/>
+            <a:ext cx="1558558" cy="369332"/>
+          </a:xfrm>
+          <a:prstGeom prst="rect">
+            <a:avLst/>
+          </a:prstGeom>
+          <a:noFill/>
+        </p:spPr>
+        <p:txBody>
+          <a:bodyPr wrap="square" rtlCol="0">
+            <a:spAutoFit/>
+          </a:bodyPr>
+          <a:lstStyle/>
+          <a:p>
+            <a:r>
+              <a:rPr lang="en-US" u="sng" dirty="0"/>
+              <a:t>Category 2</a:t>
+            </a:r>
+          </a:p>
+        </p:txBody>
+      </p:sp>
+      <p:sp>
+        <p:nvSpPr>
+          <p:cNvPr id="26" name="TextBox 25"/>
+          <p:cNvSpPr txBox="1"/>
+          <p:nvPr/>
+        </p:nvSpPr>
+        <p:spPr>
+          <a:xfrm>
+            <a:off x="1450790" y="3306797"/>
+            <a:ext cx="1558558" cy="369332"/>
+          </a:xfrm>
+          <a:prstGeom prst="rect">
+            <a:avLst/>
+          </a:prstGeom>
+          <a:noFill/>
+        </p:spPr>
+        <p:txBody>
+          <a:bodyPr wrap="square" rtlCol="0">
+            <a:spAutoFit/>
+          </a:bodyPr>
+          <a:lstStyle/>
+          <a:p>
+            <a:r>
+              <a:rPr lang="en-US" u="sng" dirty="0"/>
+              <a:t>Category 3</a:t>
+            </a:r>
+          </a:p>
+        </p:txBody>
+      </p:sp>
+      <p:sp>
+        <p:nvSpPr>
+          <p:cNvPr id="27" name="TextBox 26"/>
+          <p:cNvSpPr txBox="1"/>
+          <p:nvPr/>
+        </p:nvSpPr>
+        <p:spPr>
+          <a:xfrm>
+            <a:off x="1035342" y="2404210"/>
+            <a:ext cx="1558558" cy="369332"/>
+          </a:xfrm>
+          <a:prstGeom prst="rect">
+            <a:avLst/>
+          </a:prstGeom>
+          <a:noFill/>
+        </p:spPr>
+        <p:txBody>
+          <a:bodyPr wrap="square" rtlCol="0">
+            <a:spAutoFit/>
+          </a:bodyPr>
+          <a:lstStyle/>
+          <a:p>
+            <a:r>
+              <a:rPr lang="en-US" dirty="0"/>
+              <a:t>Category Filter</a:t>
             </a:r>
           </a:p>
         </p:txBody>
